--- a/Web/Network-Essential/Chapter3/source/vlsm.pptx
+++ b/Web/Network-Essential/Chapter3/source/vlsm.pptx
@@ -3493,7 +3493,7 @@
         <p:spPr>
           <a:xfrm>
             <a:off x="251520" y="5325015"/>
-            <a:ext cx="8797601" cy="1200329"/>
+            <a:ext cx="8797601" cy="1384995"/>
           </a:xfrm>
           <a:prstGeom prst="rect">
             <a:avLst/>
@@ -3772,8 +3772,26 @@
             </a:r>
             <a:r>
               <a:rPr lang="en-US" altLang="ko-KR" sz="1200" dirty="0" smtClean="0"/>
-              <a:t>192.168.1.192]</a:t>
-            </a:r>
+              <a:t>192.168.1.192</a:t>
+            </a:r>
+            <a:r>
+              <a:rPr lang="en-US" altLang="ko-KR" sz="1200" dirty="0" smtClean="0"/>
+              <a:t>]</a:t>
+            </a:r>
+          </a:p>
+          <a:p>
+            <a:pPr marL="228600" indent="-228600">
+              <a:buAutoNum type="arabicPeriod"/>
+            </a:pPr>
+            <a:r>
+              <a:rPr lang="ko-KR" altLang="en-US" sz="1200" dirty="0" smtClean="0"/>
+              <a:t>균등 분할은 불편하므로 불균등하게 사용하기 위해서는 가변길이 서브넷 마스크를 이용하면 된다</a:t>
+            </a:r>
+            <a:r>
+              <a:rPr lang="en-US" altLang="ko-KR" sz="1200" dirty="0" smtClean="0"/>
+              <a:t>.</a:t>
+            </a:r>
+            <a:endParaRPr lang="en-US" altLang="ko-KR" sz="1200" dirty="0" smtClean="0"/>
           </a:p>
           <a:p>
             <a:pPr marL="228600" indent="-228600">

--- a/Web/Network-Essential/Chapter3/source/vlsm.pptx
+++ b/Web/Network-Essential/Chapter3/source/vlsm.pptx
@@ -3368,7 +3368,7 @@
         </p:nvSpPr>
         <p:spPr>
           <a:xfrm>
-            <a:off x="52432" y="3209886"/>
+            <a:off x="96692" y="3209886"/>
             <a:ext cx="1545014" cy="881349"/>
           </a:xfrm>
           <a:custGeom>
@@ -3772,11 +3772,7 @@
             </a:r>
             <a:r>
               <a:rPr lang="en-US" altLang="ko-KR" sz="1200" dirty="0" smtClean="0"/>
-              <a:t>192.168.1.192</a:t>
-            </a:r>
-            <a:r>
-              <a:rPr lang="en-US" altLang="ko-KR" sz="1200" dirty="0" smtClean="0"/>
-              <a:t>]</a:t>
+              <a:t>192.168.1.192]</a:t>
             </a:r>
           </a:p>
           <a:p>
@@ -3791,7 +3787,6 @@
               <a:rPr lang="en-US" altLang="ko-KR" sz="1200" dirty="0" smtClean="0"/>
               <a:t>.</a:t>
             </a:r>
-            <a:endParaRPr lang="en-US" altLang="ko-KR" sz="1200" dirty="0" smtClean="0"/>
           </a:p>
           <a:p>
             <a:pPr marL="228600" indent="-228600">
@@ -3806,6 +3801,52 @@
               <a:t>.</a:t>
             </a:r>
             <a:endParaRPr lang="ko-KR" altLang="en-US" sz="1200" dirty="0"/>
+          </a:p>
+        </p:txBody>
+      </p:sp>
+      <p:sp>
+        <p:nvSpPr>
+          <p:cNvPr id="5" name="직사각형 4"/>
+          <p:cNvSpPr/>
+          <p:nvPr/>
+        </p:nvSpPr>
+        <p:spPr>
+          <a:xfrm>
+            <a:off x="52432" y="116632"/>
+            <a:ext cx="8996689" cy="6593378"/>
+          </a:xfrm>
+          <a:prstGeom prst="rect">
+            <a:avLst/>
+          </a:prstGeom>
+          <a:noFill/>
+          <a:ln>
+            <a:solidFill>
+              <a:schemeClr val="tx1"/>
+            </a:solidFill>
+          </a:ln>
+        </p:spPr>
+        <p:style>
+          <a:lnRef idx="2">
+            <a:schemeClr val="accent1">
+              <a:shade val="50000"/>
+            </a:schemeClr>
+          </a:lnRef>
+          <a:fillRef idx="1">
+            <a:schemeClr val="accent1"/>
+          </a:fillRef>
+          <a:effectRef idx="0">
+            <a:schemeClr val="accent1"/>
+          </a:effectRef>
+          <a:fontRef idx="minor">
+            <a:schemeClr val="lt1"/>
+          </a:fontRef>
+        </p:style>
+        <p:txBody>
+          <a:bodyPr rtlCol="0" anchor="ctr"/>
+          <a:lstStyle/>
+          <a:p>
+            <a:pPr algn="ctr"/>
+            <a:endParaRPr lang="ko-KR" altLang="en-US"/>
           </a:p>
         </p:txBody>
       </p:sp>
